--- a/docs/diagrams/LogicComponentSequenceDiagram.pptx
+++ b/docs/diagrams/LogicComponentSequenceDiagram.pptx
@@ -10,7 +10,7 @@
   <p:sldIdLst>
     <p:sldId id="267" r:id="rId2"/>
   </p:sldIdLst>
-  <p:sldSz cx="9144000" cy="6858000" type="screen4x3"/>
+  <p:sldSz cx="12192000" cy="6858000"/>
   <p:notesSz cx="6858000" cy="9144000"/>
   <p:defaultTextStyle>
     <a:defPPr>
@@ -110,12 +110,12 @@
   <p:extLst>
     <p:ext uri="{EFAFB233-063F-42B5-8137-9DF3F51BA10A}">
       <p15:sldGuideLst xmlns:p15="http://schemas.microsoft.com/office/powerpoint/2012/main">
-        <p15:guide id="1" orient="horz" pos="1488">
+        <p15:guide id="1" orient="horz" pos="1488" userDrawn="1">
           <p15:clr>
             <a:srgbClr val="A4A3A4"/>
           </p15:clr>
         </p15:guide>
-        <p15:guide id="2" pos="2880">
+        <p15:guide id="2" pos="3840" userDrawn="1">
           <p15:clr>
             <a:srgbClr val="A4A3A4"/>
           </p15:clr>
@@ -124,10 +124,6 @@
     </p:ext>
   </p:extLst>
 </p:presentation>
-</file>
-
-<file path=ppt/revisionInfo.xml><?xml version="1.0" encoding="utf-8"?>
-<p1510:revInfo xmlns:a="http://schemas.openxmlformats.org/drawingml/2006/main" xmlns:r="http://schemas.openxmlformats.org/officeDocument/2006/relationships" xmlns:p1510="http://schemas.microsoft.com/office/powerpoint/2015/10/main"/>
 </file>
 
 <file path=ppt/notesMasters/notesMaster1.xml><?xml version="1.0" encoding="utf-8"?>
@@ -212,7 +208,7 @@
           <a:p>
             <a:fld id="{F5CC4B3F-88C1-4FFA-B1B6-F41C21DC6924}" type="datetimeFigureOut">
               <a:rPr lang="en-US" smtClean="0"/>
-              <a:t>7/11/2017</a:t>
+              <a:t>10/17/2018</a:t>
             </a:fld>
             <a:endParaRPr lang="en-US"/>
           </a:p>
@@ -230,8 +226,8 @@
         </p:nvSpPr>
         <p:spPr>
           <a:xfrm>
-            <a:off x="1143000" y="685800"/>
-            <a:ext cx="4572000" cy="3429000"/>
+            <a:off x="381000" y="685800"/>
+            <a:ext cx="6096000" cy="3429000"/>
           </a:xfrm>
           <a:prstGeom prst="rect">
             <a:avLst/>
@@ -508,8 +504,8 @@
         </p:nvSpPr>
         <p:spPr>
           <a:xfrm>
-            <a:off x="685800" y="2130425"/>
-            <a:ext cx="7772400" cy="1470025"/>
+            <a:off x="914400" y="2130426"/>
+            <a:ext cx="10363200" cy="1470025"/>
           </a:xfrm>
         </p:spPr>
         <p:txBody>
@@ -535,8 +531,8 @@
         </p:nvSpPr>
         <p:spPr>
           <a:xfrm>
-            <a:off x="1371600" y="3886200"/>
-            <a:ext cx="6400800" cy="1752600"/>
+            <a:off x="1828800" y="3886200"/>
+            <a:ext cx="8534400" cy="1752600"/>
           </a:xfrm>
         </p:spPr>
         <p:txBody>
@@ -658,7 +654,7 @@
           <a:p>
             <a:fld id="{78C97017-6FC3-485B-9764-EAC9E56C1D49}" type="datetimeFigureOut">
               <a:rPr lang="en-US" smtClean="0"/>
-              <a:t>7/11/2017</a:t>
+              <a:t>10/17/2018</a:t>
             </a:fld>
             <a:endParaRPr lang="en-US"/>
           </a:p>
@@ -826,7 +822,7 @@
           <a:p>
             <a:fld id="{78C97017-6FC3-485B-9764-EAC9E56C1D49}" type="datetimeFigureOut">
               <a:rPr lang="en-US" smtClean="0"/>
-              <a:t>7/11/2017</a:t>
+              <a:t>10/17/2018</a:t>
             </a:fld>
             <a:endParaRPr lang="en-US"/>
           </a:p>
@@ -916,8 +912,8 @@
         </p:nvSpPr>
         <p:spPr>
           <a:xfrm>
-            <a:off x="6629400" y="274638"/>
-            <a:ext cx="2057400" cy="5851525"/>
+            <a:off x="8839200" y="274639"/>
+            <a:ext cx="2743200" cy="5851525"/>
           </a:xfrm>
         </p:spPr>
         <p:txBody>
@@ -943,8 +939,8 @@
         </p:nvSpPr>
         <p:spPr>
           <a:xfrm>
-            <a:off x="457200" y="274638"/>
-            <a:ext cx="6019800" cy="5851525"/>
+            <a:off x="609600" y="274639"/>
+            <a:ext cx="8026400" cy="5851525"/>
           </a:xfrm>
         </p:spPr>
         <p:txBody>
@@ -1004,7 +1000,7 @@
           <a:p>
             <a:fld id="{78C97017-6FC3-485B-9764-EAC9E56C1D49}" type="datetimeFigureOut">
               <a:rPr lang="en-US" smtClean="0"/>
-              <a:t>7/11/2017</a:t>
+              <a:t>10/17/2018</a:t>
             </a:fld>
             <a:endParaRPr lang="en-US"/>
           </a:p>
@@ -1172,7 +1168,7 @@
           <a:p>
             <a:fld id="{78C97017-6FC3-485B-9764-EAC9E56C1D49}" type="datetimeFigureOut">
               <a:rPr lang="en-US" smtClean="0"/>
-              <a:t>7/11/2017</a:t>
+              <a:t>10/17/2018</a:t>
             </a:fld>
             <a:endParaRPr lang="en-US"/>
           </a:p>
@@ -1262,8 +1258,8 @@
         </p:nvSpPr>
         <p:spPr>
           <a:xfrm>
-            <a:off x="722313" y="4406900"/>
-            <a:ext cx="7772400" cy="1362075"/>
+            <a:off x="963084" y="4406901"/>
+            <a:ext cx="10363200" cy="1362075"/>
           </a:xfrm>
         </p:spPr>
         <p:txBody>
@@ -1293,8 +1289,8 @@
         </p:nvSpPr>
         <p:spPr>
           <a:xfrm>
-            <a:off x="722313" y="2906713"/>
-            <a:ext cx="7772400" cy="1500187"/>
+            <a:off x="963084" y="2906713"/>
+            <a:ext cx="10363200" cy="1500187"/>
           </a:xfrm>
         </p:spPr>
         <p:txBody>
@@ -1417,7 +1413,7 @@
           <a:p>
             <a:fld id="{78C97017-6FC3-485B-9764-EAC9E56C1D49}" type="datetimeFigureOut">
               <a:rPr lang="en-US" smtClean="0"/>
-              <a:t>7/11/2017</a:t>
+              <a:t>10/17/2018</a:t>
             </a:fld>
             <a:endParaRPr lang="en-US"/>
           </a:p>
@@ -1529,8 +1525,8 @@
         </p:nvSpPr>
         <p:spPr>
           <a:xfrm>
-            <a:off x="457200" y="1600200"/>
-            <a:ext cx="4038600" cy="4525963"/>
+            <a:off x="609600" y="1600201"/>
+            <a:ext cx="5384800" cy="4525963"/>
           </a:xfrm>
         </p:spPr>
         <p:txBody>
@@ -1613,8 +1609,8 @@
         </p:nvSpPr>
         <p:spPr>
           <a:xfrm>
-            <a:off x="4648200" y="1600200"/>
-            <a:ext cx="4038600" cy="4525963"/>
+            <a:off x="6197600" y="1600201"/>
+            <a:ext cx="5384800" cy="4525963"/>
           </a:xfrm>
         </p:spPr>
         <p:txBody>
@@ -1702,7 +1698,7 @@
           <a:p>
             <a:fld id="{78C97017-6FC3-485B-9764-EAC9E56C1D49}" type="datetimeFigureOut">
               <a:rPr lang="en-US" smtClean="0"/>
-              <a:t>7/11/2017</a:t>
+              <a:t>10/17/2018</a:t>
             </a:fld>
             <a:endParaRPr lang="en-US"/>
           </a:p>
@@ -1818,8 +1814,8 @@
         </p:nvSpPr>
         <p:spPr>
           <a:xfrm>
-            <a:off x="457200" y="1535113"/>
-            <a:ext cx="4040188" cy="639762"/>
+            <a:off x="609600" y="1535113"/>
+            <a:ext cx="5386917" cy="639762"/>
           </a:xfrm>
         </p:spPr>
         <p:txBody>
@@ -1883,8 +1879,8 @@
         </p:nvSpPr>
         <p:spPr>
           <a:xfrm>
-            <a:off x="457200" y="2174875"/>
-            <a:ext cx="4040188" cy="3951288"/>
+            <a:off x="609600" y="2174875"/>
+            <a:ext cx="5386917" cy="3951288"/>
           </a:xfrm>
         </p:spPr>
         <p:txBody>
@@ -1967,8 +1963,8 @@
         </p:nvSpPr>
         <p:spPr>
           <a:xfrm>
-            <a:off x="4645025" y="1535113"/>
-            <a:ext cx="4041775" cy="639762"/>
+            <a:off x="6193368" y="1535113"/>
+            <a:ext cx="5389033" cy="639762"/>
           </a:xfrm>
         </p:spPr>
         <p:txBody>
@@ -2032,8 +2028,8 @@
         </p:nvSpPr>
         <p:spPr>
           <a:xfrm>
-            <a:off x="4645025" y="2174875"/>
-            <a:ext cx="4041775" cy="3951288"/>
+            <a:off x="6193368" y="2174875"/>
+            <a:ext cx="5389033" cy="3951288"/>
           </a:xfrm>
         </p:spPr>
         <p:txBody>
@@ -2121,7 +2117,7 @@
           <a:p>
             <a:fld id="{78C97017-6FC3-485B-9764-EAC9E56C1D49}" type="datetimeFigureOut">
               <a:rPr lang="en-US" smtClean="0"/>
-              <a:t>7/11/2017</a:t>
+              <a:t>10/17/2018</a:t>
             </a:fld>
             <a:endParaRPr lang="en-US"/>
           </a:p>
@@ -2238,7 +2234,7 @@
           <a:p>
             <a:fld id="{78C97017-6FC3-485B-9764-EAC9E56C1D49}" type="datetimeFigureOut">
               <a:rPr lang="en-US" smtClean="0"/>
-              <a:t>7/11/2017</a:t>
+              <a:t>10/17/2018</a:t>
             </a:fld>
             <a:endParaRPr lang="en-US"/>
           </a:p>
@@ -2333,7 +2329,7 @@
           <a:p>
             <a:fld id="{78C97017-6FC3-485B-9764-EAC9E56C1D49}" type="datetimeFigureOut">
               <a:rPr lang="en-US" smtClean="0"/>
-              <a:t>7/11/2017</a:t>
+              <a:t>10/17/2018</a:t>
             </a:fld>
             <a:endParaRPr lang="en-US"/>
           </a:p>
@@ -2423,8 +2419,8 @@
         </p:nvSpPr>
         <p:spPr>
           <a:xfrm>
-            <a:off x="457200" y="273050"/>
-            <a:ext cx="3008313" cy="1162050"/>
+            <a:off x="609601" y="273050"/>
+            <a:ext cx="4011084" cy="1162050"/>
           </a:xfrm>
         </p:spPr>
         <p:txBody>
@@ -2454,8 +2450,8 @@
         </p:nvSpPr>
         <p:spPr>
           <a:xfrm>
-            <a:off x="3575050" y="273050"/>
-            <a:ext cx="5111750" cy="5853113"/>
+            <a:off x="4766733" y="273051"/>
+            <a:ext cx="6815667" cy="5853113"/>
           </a:xfrm>
         </p:spPr>
         <p:txBody>
@@ -2538,8 +2534,8 @@
         </p:nvSpPr>
         <p:spPr>
           <a:xfrm>
-            <a:off x="457200" y="1435100"/>
-            <a:ext cx="3008313" cy="4691063"/>
+            <a:off x="609601" y="1435101"/>
+            <a:ext cx="4011084" cy="4691063"/>
           </a:xfrm>
         </p:spPr>
         <p:txBody>
@@ -2608,7 +2604,7 @@
           <a:p>
             <a:fld id="{78C97017-6FC3-485B-9764-EAC9E56C1D49}" type="datetimeFigureOut">
               <a:rPr lang="en-US" smtClean="0"/>
-              <a:t>7/11/2017</a:t>
+              <a:t>10/17/2018</a:t>
             </a:fld>
             <a:endParaRPr lang="en-US"/>
           </a:p>
@@ -2698,8 +2694,8 @@
         </p:nvSpPr>
         <p:spPr>
           <a:xfrm>
-            <a:off x="1792288" y="4800600"/>
-            <a:ext cx="5486400" cy="566738"/>
+            <a:off x="2389717" y="4800600"/>
+            <a:ext cx="7315200" cy="566738"/>
           </a:xfrm>
         </p:spPr>
         <p:txBody>
@@ -2729,8 +2725,8 @@
         </p:nvSpPr>
         <p:spPr>
           <a:xfrm>
-            <a:off x="1792288" y="612775"/>
-            <a:ext cx="5486400" cy="4114800"/>
+            <a:off x="2389717" y="612775"/>
+            <a:ext cx="7315200" cy="4114800"/>
           </a:xfrm>
         </p:spPr>
         <p:txBody>
@@ -2790,8 +2786,8 @@
         </p:nvSpPr>
         <p:spPr>
           <a:xfrm>
-            <a:off x="1792288" y="5367338"/>
-            <a:ext cx="5486400" cy="804862"/>
+            <a:off x="2389717" y="5367338"/>
+            <a:ext cx="7315200" cy="804862"/>
           </a:xfrm>
         </p:spPr>
         <p:txBody>
@@ -2860,7 +2856,7 @@
           <a:p>
             <a:fld id="{78C97017-6FC3-485B-9764-EAC9E56C1D49}" type="datetimeFigureOut">
               <a:rPr lang="en-US" smtClean="0"/>
-              <a:t>7/11/2017</a:t>
+              <a:t>10/17/2018</a:t>
             </a:fld>
             <a:endParaRPr lang="en-US"/>
           </a:p>
@@ -2955,8 +2951,8 @@
         </p:nvSpPr>
         <p:spPr>
           <a:xfrm>
-            <a:off x="457200" y="274638"/>
-            <a:ext cx="8229600" cy="1143000"/>
+            <a:off x="609600" y="274638"/>
+            <a:ext cx="10972800" cy="1143000"/>
           </a:xfrm>
           <a:prstGeom prst="rect">
             <a:avLst/>
@@ -2987,8 +2983,8 @@
         </p:nvSpPr>
         <p:spPr>
           <a:xfrm>
-            <a:off x="457200" y="1600200"/>
-            <a:ext cx="8229600" cy="4525963"/>
+            <a:off x="609600" y="1600201"/>
+            <a:ext cx="10972800" cy="4525963"/>
           </a:xfrm>
           <a:prstGeom prst="rect">
             <a:avLst/>
@@ -3048,8 +3044,8 @@
         </p:nvSpPr>
         <p:spPr>
           <a:xfrm>
-            <a:off x="457200" y="6356350"/>
-            <a:ext cx="2133600" cy="365125"/>
+            <a:off x="609600" y="6356351"/>
+            <a:ext cx="2844800" cy="365125"/>
           </a:xfrm>
           <a:prstGeom prst="rect">
             <a:avLst/>
@@ -3071,7 +3067,7 @@
           <a:p>
             <a:fld id="{78C97017-6FC3-485B-9764-EAC9E56C1D49}" type="datetimeFigureOut">
               <a:rPr lang="en-US" smtClean="0"/>
-              <a:t>7/11/2017</a:t>
+              <a:t>10/17/2018</a:t>
             </a:fld>
             <a:endParaRPr lang="en-US"/>
           </a:p>
@@ -3089,8 +3085,8 @@
         </p:nvSpPr>
         <p:spPr>
           <a:xfrm>
-            <a:off x="3124200" y="6356350"/>
-            <a:ext cx="2895600" cy="365125"/>
+            <a:off x="4165600" y="6356351"/>
+            <a:ext cx="3860800" cy="365125"/>
           </a:xfrm>
           <a:prstGeom prst="rect">
             <a:avLst/>
@@ -3126,8 +3122,8 @@
         </p:nvSpPr>
         <p:spPr>
           <a:xfrm>
-            <a:off x="6553200" y="6356350"/>
-            <a:ext cx="2133600" cy="365125"/>
+            <a:off x="8737600" y="6356351"/>
+            <a:ext cx="2844800" cy="365125"/>
           </a:xfrm>
           <a:prstGeom prst="rect">
             <a:avLst/>
@@ -3454,8 +3450,8 @@
         </p:nvSpPr>
         <p:spPr>
           <a:xfrm>
-            <a:off x="685800" y="1981200"/>
-            <a:ext cx="7252956" cy="4000286"/>
+            <a:off x="-342900" y="1295400"/>
+            <a:ext cx="12877800" cy="4914685"/>
           </a:xfrm>
           <a:prstGeom prst="roundRect">
             <a:avLst>
@@ -3515,7 +3511,7 @@
         </p:nvSpPr>
         <p:spPr>
           <a:xfrm>
-            <a:off x="845045" y="2296546"/>
+            <a:off x="1264144" y="2132801"/>
             <a:ext cx="1455629" cy="346760"/>
           </a:xfrm>
           <a:prstGeom prst="rect">
@@ -3577,13 +3573,16 @@
       <p:cxnSp>
         <p:nvCxnSpPr>
           <p:cNvPr id="5" name="Straight Connector 4"/>
-          <p:cNvCxnSpPr/>
+          <p:cNvCxnSpPr>
+            <a:cxnSpLocks/>
+            <a:stCxn id="2" idx="2"/>
+          </p:cNvCxnSpPr>
           <p:nvPr/>
         </p:nvCxnSpPr>
         <p:spPr>
           <a:xfrm>
-            <a:off x="1572859" y="2660217"/>
-            <a:ext cx="0" cy="2597583"/>
+            <a:off x="1991959" y="2479561"/>
+            <a:ext cx="0" cy="3055018"/>
           </a:xfrm>
           <a:prstGeom prst="line">
             <a:avLst/>
@@ -3619,8 +3618,8 @@
         </p:nvSpPr>
         <p:spPr>
           <a:xfrm>
-            <a:off x="1500851" y="3010911"/>
-            <a:ext cx="152400" cy="2780287"/>
+            <a:off x="1919950" y="2615602"/>
+            <a:ext cx="154135" cy="3452376"/>
           </a:xfrm>
           <a:prstGeom prst="rect">
             <a:avLst/>
@@ -3666,7 +3665,7 @@
         </p:nvSpPr>
         <p:spPr>
           <a:xfrm>
-            <a:off x="2743200" y="2179309"/>
+            <a:off x="5753100" y="2456087"/>
             <a:ext cx="1219200" cy="467684"/>
           </a:xfrm>
           <a:prstGeom prst="rect">
@@ -3707,18 +3706,7 @@
                   <a:schemeClr val="bg1"/>
                 </a:solidFill>
               </a:rPr>
-              <a:t>:Address</a:t>
-            </a:r>
-          </a:p>
-          <a:p>
-            <a:pPr algn="ctr"/>
-            <a:r>
-              <a:rPr lang="en-US" sz="1600" dirty="0" err="1">
-                <a:solidFill>
-                  <a:schemeClr val="bg1"/>
-                </a:solidFill>
-              </a:rPr>
-              <a:t>BookParser</a:t>
+              <a:t>:Contacts Parser</a:t>
             </a:r>
             <a:endParaRPr lang="en-SG" sz="1600" dirty="0">
               <a:solidFill>
@@ -3736,7 +3724,7 @@
         </p:nvCxnSpPr>
         <p:spPr>
           <a:xfrm>
-            <a:off x="3356599" y="2663904"/>
+            <a:off x="6366499" y="2940682"/>
             <a:ext cx="0" cy="1695374"/>
           </a:xfrm>
           <a:prstGeom prst="line">
@@ -3773,7 +3761,7 @@
         </p:nvSpPr>
         <p:spPr>
           <a:xfrm>
-            <a:off x="3284590" y="3122096"/>
+            <a:off x="6294491" y="3398875"/>
             <a:ext cx="174929" cy="1129459"/>
           </a:xfrm>
           <a:prstGeom prst="rect">
@@ -3808,11 +3796,7 @@
           <a:lstStyle/>
           <a:p>
             <a:pPr algn="ctr"/>
-            <a:endParaRPr lang="en-SG" sz="1400">
-              <a:solidFill>
-                <a:schemeClr val="dk1"/>
-              </a:solidFill>
-            </a:endParaRPr>
+            <a:endParaRPr lang="en-SG" sz="1400"/>
           </a:p>
         </p:txBody>
       </p:sp>
@@ -3824,7 +3808,7 @@
         </p:nvSpPr>
         <p:spPr>
           <a:xfrm>
-            <a:off x="6221565" y="3312740"/>
+            <a:off x="9231466" y="3589518"/>
             <a:ext cx="1093635" cy="461538"/>
           </a:xfrm>
           <a:prstGeom prst="rect">
@@ -3900,7 +3884,7 @@
         </p:nvCxnSpPr>
         <p:spPr>
           <a:xfrm>
-            <a:off x="6772574" y="3774278"/>
+            <a:off x="9782474" y="4051056"/>
             <a:ext cx="0" cy="1940722"/>
           </a:xfrm>
           <a:prstGeom prst="line">
@@ -3937,7 +3921,7 @@
         </p:nvSpPr>
         <p:spPr>
           <a:xfrm>
-            <a:off x="6696374" y="3774278"/>
+            <a:off x="9706274" y="4051057"/>
             <a:ext cx="152400" cy="276003"/>
           </a:xfrm>
           <a:prstGeom prst="rect">
@@ -3984,7 +3968,7 @@
         </p:nvCxnSpPr>
         <p:spPr>
           <a:xfrm>
-            <a:off x="381000" y="3014599"/>
+            <a:off x="800101" y="3291377"/>
             <a:ext cx="1119851" cy="0"/>
           </a:xfrm>
           <a:prstGeom prst="straightConnector1">
@@ -4015,13 +3999,15 @@
       <p:cxnSp>
         <p:nvCxnSpPr>
           <p:cNvPr id="25" name="Straight Arrow Connector 24"/>
-          <p:cNvCxnSpPr/>
+          <p:cNvCxnSpPr>
+            <a:cxnSpLocks/>
+          </p:cNvCxnSpPr>
           <p:nvPr/>
         </p:nvCxnSpPr>
         <p:spPr>
           <a:xfrm flipV="1">
-            <a:off x="1653251" y="3122097"/>
-            <a:ext cx="1596514" cy="1"/>
+            <a:off x="4661610" y="3416139"/>
+            <a:ext cx="1626684" cy="4348"/>
           </a:xfrm>
           <a:prstGeom prst="straightConnector1">
             <a:avLst/>
@@ -4056,8 +4042,8 @@
         </p:nvSpPr>
         <p:spPr>
           <a:xfrm>
-            <a:off x="0" y="2743200"/>
-            <a:ext cx="1424846" cy="215444"/>
+            <a:off x="-342900" y="3019978"/>
+            <a:ext cx="2186846" cy="215444"/>
           </a:xfrm>
           <a:prstGeom prst="rect">
             <a:avLst/>
@@ -4077,7 +4063,7 @@
                   <a:srgbClr val="0070C0"/>
                 </a:solidFill>
               </a:rPr>
-              <a:t>execute(“delete 1”)</a:t>
+              <a:t>execute(“contacts delete 1”)</a:t>
             </a:r>
           </a:p>
         </p:txBody>
@@ -4090,7 +4076,7 @@
         </p:nvCxnSpPr>
         <p:spPr>
           <a:xfrm flipV="1">
-            <a:off x="5257218" y="3703214"/>
+            <a:off x="8267118" y="3979993"/>
             <a:ext cx="922392" cy="1"/>
           </a:xfrm>
           <a:prstGeom prst="straightConnector1">
@@ -4126,7 +4112,7 @@
         </p:nvSpPr>
         <p:spPr>
           <a:xfrm>
-            <a:off x="4257582" y="4251556"/>
+            <a:off x="6972300" y="4528334"/>
             <a:ext cx="855809" cy="215444"/>
           </a:xfrm>
           <a:prstGeom prst="rect">
@@ -4166,7 +4152,7 @@
         </p:nvCxnSpPr>
         <p:spPr>
           <a:xfrm>
-            <a:off x="5257800" y="4050281"/>
+            <a:off x="8267700" y="4327059"/>
             <a:ext cx="1492974" cy="0"/>
           </a:xfrm>
           <a:prstGeom prst="straightConnector1">
@@ -4199,13 +4185,15 @@
       <p:cxnSp>
         <p:nvCxnSpPr>
           <p:cNvPr id="35" name="Straight Arrow Connector 34"/>
-          <p:cNvCxnSpPr/>
+          <p:cNvCxnSpPr>
+            <a:cxnSpLocks/>
+          </p:cNvCxnSpPr>
           <p:nvPr/>
         </p:nvCxnSpPr>
         <p:spPr>
           <a:xfrm flipV="1">
-            <a:off x="1670186" y="4243231"/>
-            <a:ext cx="1596514" cy="5378"/>
+            <a:off x="4646179" y="4523977"/>
+            <a:ext cx="1647585" cy="1"/>
           </a:xfrm>
           <a:prstGeom prst="straightConnector1">
             <a:avLst/>
@@ -4242,7 +4230,7 @@
         </p:nvCxnSpPr>
         <p:spPr>
           <a:xfrm>
-            <a:off x="304800" y="5791200"/>
+            <a:off x="723901" y="6067978"/>
             <a:ext cx="1196051" cy="0"/>
           </a:xfrm>
           <a:prstGeom prst="straightConnector1">
@@ -4280,7 +4268,7 @@
         </p:nvSpPr>
         <p:spPr>
           <a:xfrm>
-            <a:off x="8265896" y="2362200"/>
+            <a:off x="11275796" y="2638978"/>
             <a:ext cx="1030504" cy="346760"/>
           </a:xfrm>
           <a:prstGeom prst="rect">
@@ -4340,13 +4328,15 @@
       <p:cxnSp>
         <p:nvCxnSpPr>
           <p:cNvPr id="64" name="Straight Arrow Connector 63"/>
-          <p:cNvCxnSpPr/>
+          <p:cNvCxnSpPr>
+            <a:cxnSpLocks/>
+          </p:cNvCxnSpPr>
           <p:nvPr/>
         </p:nvCxnSpPr>
         <p:spPr>
-          <a:xfrm>
-            <a:off x="1653251" y="4495317"/>
-            <a:ext cx="5043123" cy="0"/>
+          <a:xfrm flipV="1">
+            <a:off x="1991959" y="4772095"/>
+            <a:ext cx="7714316" cy="29280"/>
           </a:xfrm>
           <a:prstGeom prst="straightConnector1">
             <a:avLst/>
@@ -4381,7 +4371,7 @@
         </p:nvSpPr>
         <p:spPr>
           <a:xfrm>
-            <a:off x="6687452" y="4467000"/>
+            <a:off x="9697352" y="4743778"/>
             <a:ext cx="161322" cy="1019400"/>
           </a:xfrm>
           <a:prstGeom prst="rect">
@@ -4428,7 +4418,7 @@
         </p:nvCxnSpPr>
         <p:spPr>
           <a:xfrm>
-            <a:off x="8781148" y="2700858"/>
+            <a:off x="11791048" y="2977636"/>
             <a:ext cx="0" cy="2830598"/>
           </a:xfrm>
           <a:prstGeom prst="line">
@@ -4468,7 +4458,7 @@
         </p:nvSpPr>
         <p:spPr>
           <a:xfrm>
-            <a:off x="8686800" y="4524597"/>
+            <a:off x="11696700" y="4801376"/>
             <a:ext cx="152400" cy="199803"/>
           </a:xfrm>
           <a:prstGeom prst="rect">
@@ -4509,11 +4499,7 @@
           <a:lstStyle/>
           <a:p>
             <a:pPr algn="ctr"/>
-            <a:endParaRPr lang="en-SG" sz="1400">
-              <a:solidFill>
-                <a:schemeClr val="dk1"/>
-              </a:solidFill>
-            </a:endParaRPr>
+            <a:endParaRPr lang="en-SG" sz="1400"/>
           </a:p>
         </p:txBody>
       </p:sp>
@@ -4525,7 +4511,7 @@
         </p:nvCxnSpPr>
         <p:spPr>
           <a:xfrm>
-            <a:off x="6850663" y="4524597"/>
+            <a:off x="9860564" y="4801375"/>
             <a:ext cx="1836137" cy="0"/>
           </a:xfrm>
           <a:prstGeom prst="straightConnector1">
@@ -4561,7 +4547,7 @@
         </p:nvCxnSpPr>
         <p:spPr>
           <a:xfrm flipV="1">
-            <a:off x="6848774" y="4714650"/>
+            <a:off x="9858674" y="4991428"/>
             <a:ext cx="1838026" cy="9750"/>
           </a:xfrm>
           <a:prstGeom prst="straightConnector1">
@@ -4597,13 +4583,15 @@
       <p:cxnSp>
         <p:nvCxnSpPr>
           <p:cNvPr id="77" name="Straight Arrow Connector 76"/>
-          <p:cNvCxnSpPr/>
+          <p:cNvCxnSpPr>
+            <a:cxnSpLocks/>
+          </p:cNvCxnSpPr>
           <p:nvPr/>
         </p:nvCxnSpPr>
         <p:spPr>
           <a:xfrm>
-            <a:off x="1653251" y="5486400"/>
-            <a:ext cx="5052349" cy="0"/>
+            <a:off x="2082189" y="5747545"/>
+            <a:ext cx="7633312" cy="15633"/>
           </a:xfrm>
           <a:prstGeom prst="straightConnector1">
             <a:avLst/>
@@ -4640,7 +4628,7 @@
         </p:nvSpPr>
         <p:spPr>
           <a:xfrm>
-            <a:off x="6984957" y="4267200"/>
+            <a:off x="9994857" y="4543978"/>
             <a:ext cx="1424846" cy="215444"/>
           </a:xfrm>
           <a:prstGeom prst="rect">
@@ -4692,7 +4680,7 @@
         </p:nvSpPr>
         <p:spPr>
           <a:xfrm>
-            <a:off x="3847551" y="3657600"/>
+            <a:off x="6857452" y="3934378"/>
             <a:ext cx="767033" cy="184666"/>
           </a:xfrm>
           <a:prstGeom prst="rect">
@@ -4732,7 +4720,7 @@
         </p:nvSpPr>
         <p:spPr>
           <a:xfrm>
-            <a:off x="1742982" y="2850922"/>
+            <a:off x="4752882" y="3442156"/>
             <a:ext cx="1424846" cy="215444"/>
           </a:xfrm>
           <a:prstGeom prst="rect">
@@ -4772,7 +4760,7 @@
         </p:nvSpPr>
         <p:spPr>
           <a:xfrm>
-            <a:off x="4340137" y="5255323"/>
+            <a:off x="7048500" y="5532101"/>
             <a:ext cx="621216" cy="215444"/>
           </a:xfrm>
           <a:prstGeom prst="rect">
@@ -4812,7 +4800,7 @@
         </p:nvSpPr>
         <p:spPr>
           <a:xfrm>
-            <a:off x="599983" y="5538488"/>
+            <a:off x="1019083" y="5815266"/>
             <a:ext cx="762000" cy="215444"/>
           </a:xfrm>
           <a:prstGeom prst="rect">
@@ -4852,7 +4840,7 @@
         </p:nvSpPr>
         <p:spPr>
           <a:xfrm>
-            <a:off x="7020246" y="4777286"/>
+            <a:off x="10030146" y="5054064"/>
             <a:ext cx="1590354" cy="461538"/>
           </a:xfrm>
           <a:prstGeom prst="rect">
@@ -4919,7 +4907,7 @@
         </p:nvSpPr>
         <p:spPr>
           <a:xfrm>
-            <a:off x="7777323" y="5238824"/>
+            <a:off x="10787223" y="5515602"/>
             <a:ext cx="152400" cy="171376"/>
           </a:xfrm>
           <a:prstGeom prst="rect">
@@ -4966,7 +4954,7 @@
         </p:nvCxnSpPr>
         <p:spPr>
           <a:xfrm>
-            <a:off x="6858000" y="5410200"/>
+            <a:off x="9867900" y="5686978"/>
             <a:ext cx="966624" cy="0"/>
           </a:xfrm>
           <a:prstGeom prst="straightConnector1">
@@ -5004,7 +4992,7 @@
         </p:nvSpPr>
         <p:spPr>
           <a:xfrm>
-            <a:off x="2673845" y="4027787"/>
+            <a:off x="5410724" y="4294375"/>
             <a:ext cx="220343" cy="215444"/>
           </a:xfrm>
           <a:prstGeom prst="rect">
@@ -5044,7 +5032,7 @@
         </p:nvSpPr>
         <p:spPr>
           <a:xfrm>
-            <a:off x="4231981" y="2929839"/>
+            <a:off x="7241882" y="3206618"/>
             <a:ext cx="1778201" cy="432035"/>
           </a:xfrm>
           <a:prstGeom prst="rect">
@@ -5127,7 +5115,7 @@
         </p:nvCxnSpPr>
         <p:spPr>
           <a:xfrm>
-            <a:off x="3462591" y="3657600"/>
+            <a:off x="6472491" y="3934379"/>
             <a:ext cx="1597356" cy="1"/>
           </a:xfrm>
           <a:prstGeom prst="straightConnector1">
@@ -5161,7 +5149,7 @@
         </p:nvSpPr>
         <p:spPr>
           <a:xfrm>
-            <a:off x="5059947" y="3352800"/>
+            <a:off x="8069848" y="3629579"/>
             <a:ext cx="205843" cy="123165"/>
           </a:xfrm>
           <a:prstGeom prst="rect">
@@ -5210,7 +5198,7 @@
         </p:nvCxnSpPr>
         <p:spPr>
           <a:xfrm>
-            <a:off x="5162869" y="3352800"/>
+            <a:off x="8172769" y="3629578"/>
             <a:ext cx="0" cy="990600"/>
           </a:xfrm>
           <a:prstGeom prst="line">
@@ -5247,7 +5235,7 @@
         </p:nvSpPr>
         <p:spPr>
           <a:xfrm>
-            <a:off x="5059947" y="3657601"/>
+            <a:off x="8069848" y="3934379"/>
             <a:ext cx="205843" cy="533400"/>
           </a:xfrm>
           <a:prstGeom prst="rect">
@@ -5289,13 +5277,15 @@
       <p:cxnSp>
         <p:nvCxnSpPr>
           <p:cNvPr id="51" name="Straight Arrow Connector 50"/>
-          <p:cNvCxnSpPr/>
+          <p:cNvCxnSpPr>
+            <a:cxnSpLocks/>
+          </p:cNvCxnSpPr>
           <p:nvPr/>
         </p:nvCxnSpPr>
         <p:spPr>
-          <a:xfrm>
-            <a:off x="3499382" y="4185073"/>
-            <a:ext cx="1667219" cy="0"/>
+          <a:xfrm flipV="1">
+            <a:off x="6489799" y="4461852"/>
+            <a:ext cx="1686703" cy="1"/>
           </a:xfrm>
           <a:prstGeom prst="straightConnector1">
             <a:avLst/>
@@ -5332,7 +5322,7 @@
         </p:nvCxnSpPr>
         <p:spPr>
           <a:xfrm>
-            <a:off x="6858000" y="5029200"/>
+            <a:off x="9867900" y="5305978"/>
             <a:ext cx="162246" cy="0"/>
           </a:xfrm>
           <a:prstGeom prst="straightConnector1">
@@ -5366,7 +5356,7 @@
         </p:nvCxnSpPr>
         <p:spPr>
           <a:xfrm>
-            <a:off x="3412425" y="3173004"/>
+            <a:off x="6422325" y="3449783"/>
             <a:ext cx="819556" cy="1"/>
           </a:xfrm>
           <a:prstGeom prst="straightConnector1">
@@ -5402,7 +5392,7 @@
         </p:nvCxnSpPr>
         <p:spPr>
           <a:xfrm>
-            <a:off x="3459519" y="3475965"/>
+            <a:off x="6469419" y="3752743"/>
             <a:ext cx="1600428" cy="0"/>
           </a:xfrm>
           <a:prstGeom prst="straightConnector1">
@@ -5440,7 +5430,7 @@
         </p:nvSpPr>
         <p:spPr>
           <a:xfrm>
-            <a:off x="5033665" y="4199590"/>
+            <a:off x="8043565" y="4476368"/>
             <a:ext cx="258404" cy="261610"/>
           </a:xfrm>
           <a:prstGeom prst="rect">
@@ -5461,6 +5451,549 @@
                 </a:solidFill>
               </a:rPr>
               <a:t>X</a:t>
+            </a:r>
+          </a:p>
+        </p:txBody>
+      </p:sp>
+      <p:sp>
+        <p:nvSpPr>
+          <p:cNvPr id="47" name="Rectangle 62">
+            <a:extLst>
+              <a:ext uri="{FF2B5EF4-FFF2-40B4-BE49-F238E27FC236}">
+                <a16:creationId xmlns:a16="http://schemas.microsoft.com/office/drawing/2014/main" id="{0D490805-8002-4CF4-BACC-B98B485297F4}"/>
+              </a:ext>
+            </a:extLst>
+          </p:cNvPr>
+          <p:cNvSpPr/>
+          <p:nvPr/>
+        </p:nvSpPr>
+        <p:spPr>
+          <a:xfrm>
+            <a:off x="3947259" y="2011877"/>
+            <a:ext cx="1219200" cy="467684"/>
+          </a:xfrm>
+          <a:prstGeom prst="rect">
+            <a:avLst/>
+          </a:prstGeom>
+          <a:solidFill>
+            <a:srgbClr val="0070C0"/>
+          </a:solidFill>
+          <a:ln w="19050">
+            <a:solidFill>
+              <a:srgbClr val="0070C0"/>
+            </a:solidFill>
+          </a:ln>
+          <a:effectLst/>
+        </p:spPr>
+        <p:style>
+          <a:lnRef idx="1">
+            <a:schemeClr val="accent2"/>
+          </a:lnRef>
+          <a:fillRef idx="2">
+            <a:schemeClr val="accent2"/>
+          </a:fillRef>
+          <a:effectRef idx="1">
+            <a:schemeClr val="accent2"/>
+          </a:effectRef>
+          <a:fontRef idx="minor">
+            <a:schemeClr val="dk1"/>
+          </a:fontRef>
+        </p:style>
+        <p:txBody>
+          <a:bodyPr rtlCol="0" anchor="ctr"/>
+          <a:lstStyle/>
+          <a:p>
+            <a:pPr algn="ctr"/>
+            <a:r>
+              <a:rPr lang="en-US" sz="1600" dirty="0">
+                <a:solidFill>
+                  <a:schemeClr val="bg1"/>
+                </a:solidFill>
+              </a:rPr>
+              <a:t>:</a:t>
+            </a:r>
+            <a:r>
+              <a:rPr lang="en-US" sz="1600" dirty="0" err="1">
+                <a:solidFill>
+                  <a:schemeClr val="bg1"/>
+                </a:solidFill>
+              </a:rPr>
+              <a:t>AppParser</a:t>
+            </a:r>
+            <a:endParaRPr lang="en-SG" sz="1600" dirty="0">
+              <a:solidFill>
+                <a:schemeClr val="bg1"/>
+              </a:solidFill>
+            </a:endParaRPr>
+          </a:p>
+        </p:txBody>
+      </p:sp>
+      <p:cxnSp>
+        <p:nvCxnSpPr>
+          <p:cNvPr id="48" name="Straight Connector 47">
+            <a:extLst>
+              <a:ext uri="{FF2B5EF4-FFF2-40B4-BE49-F238E27FC236}">
+                <a16:creationId xmlns:a16="http://schemas.microsoft.com/office/drawing/2014/main" id="{E34918FD-AC8B-44DB-9D7F-58655066C1F3}"/>
+              </a:ext>
+            </a:extLst>
+          </p:cNvPr>
+          <p:cNvCxnSpPr>
+            <a:cxnSpLocks/>
+            <a:stCxn id="47" idx="2"/>
+          </p:cNvCxnSpPr>
+          <p:nvPr/>
+        </p:nvCxnSpPr>
+        <p:spPr>
+          <a:xfrm>
+            <a:off x="4556859" y="2479561"/>
+            <a:ext cx="22347" cy="2292534"/>
+          </a:xfrm>
+          <a:prstGeom prst="line">
+            <a:avLst/>
+          </a:prstGeom>
+          <a:ln w="19050">
+            <a:solidFill>
+              <a:srgbClr val="0070C0"/>
+            </a:solidFill>
+            <a:prstDash val="sysDash"/>
+          </a:ln>
+          <a:effectLst/>
+        </p:spPr>
+        <p:style>
+          <a:lnRef idx="1">
+            <a:schemeClr val="accent1"/>
+          </a:lnRef>
+          <a:fillRef idx="2">
+            <a:schemeClr val="accent1"/>
+          </a:fillRef>
+          <a:effectRef idx="1">
+            <a:schemeClr val="accent1"/>
+          </a:effectRef>
+          <a:fontRef idx="minor">
+            <a:schemeClr val="dk1"/>
+          </a:fontRef>
+        </p:style>
+      </p:cxnSp>
+      <p:sp>
+        <p:nvSpPr>
+          <p:cNvPr id="53" name="Rectangle 52">
+            <a:extLst>
+              <a:ext uri="{FF2B5EF4-FFF2-40B4-BE49-F238E27FC236}">
+                <a16:creationId xmlns:a16="http://schemas.microsoft.com/office/drawing/2014/main" id="{35339639-F648-4D1C-A3A0-4D4377D7AA71}"/>
+              </a:ext>
+            </a:extLst>
+          </p:cNvPr>
+          <p:cNvSpPr/>
+          <p:nvPr/>
+        </p:nvSpPr>
+        <p:spPr>
+          <a:xfrm>
+            <a:off x="4453221" y="2774881"/>
+            <a:ext cx="215804" cy="1855791"/>
+          </a:xfrm>
+          <a:prstGeom prst="rect">
+            <a:avLst/>
+          </a:prstGeom>
+          <a:solidFill>
+            <a:srgbClr val="0070C0"/>
+          </a:solidFill>
+          <a:ln>
+            <a:solidFill>
+              <a:srgbClr val="0070C0"/>
+            </a:solidFill>
+          </a:ln>
+          <a:effectLst/>
+        </p:spPr>
+        <p:style>
+          <a:lnRef idx="1">
+            <a:schemeClr val="accent3"/>
+          </a:lnRef>
+          <a:fillRef idx="2">
+            <a:schemeClr val="accent3"/>
+          </a:fillRef>
+          <a:effectRef idx="1">
+            <a:schemeClr val="accent3"/>
+          </a:effectRef>
+          <a:fontRef idx="minor">
+            <a:schemeClr val="dk1"/>
+          </a:fontRef>
+        </p:style>
+        <p:txBody>
+          <a:bodyPr rtlCol="0" anchor="ctr"/>
+          <a:lstStyle/>
+          <a:p>
+            <a:pPr algn="ctr"/>
+            <a:endParaRPr lang="en-SG" sz="1400"/>
+          </a:p>
+        </p:txBody>
+      </p:sp>
+      <p:sp>
+        <p:nvSpPr>
+          <p:cNvPr id="55" name="Rectangle 54">
+            <a:extLst>
+              <a:ext uri="{FF2B5EF4-FFF2-40B4-BE49-F238E27FC236}">
+                <a16:creationId xmlns:a16="http://schemas.microsoft.com/office/drawing/2014/main" id="{CC9192F0-34DC-4D15-82FE-0595F6C555D5}"/>
+              </a:ext>
+            </a:extLst>
+          </p:cNvPr>
+          <p:cNvSpPr/>
+          <p:nvPr/>
+        </p:nvSpPr>
+        <p:spPr>
+          <a:xfrm>
+            <a:off x="6273995" y="2925757"/>
+            <a:ext cx="215804" cy="170158"/>
+          </a:xfrm>
+          <a:prstGeom prst="rect">
+            <a:avLst/>
+          </a:prstGeom>
+          <a:solidFill>
+            <a:srgbClr val="0070C0"/>
+          </a:solidFill>
+          <a:ln>
+            <a:solidFill>
+              <a:srgbClr val="0070C0"/>
+            </a:solidFill>
+          </a:ln>
+          <a:effectLst/>
+        </p:spPr>
+        <p:style>
+          <a:lnRef idx="1">
+            <a:schemeClr val="accent3"/>
+          </a:lnRef>
+          <a:fillRef idx="2">
+            <a:schemeClr val="accent3"/>
+          </a:fillRef>
+          <a:effectRef idx="1">
+            <a:schemeClr val="accent3"/>
+          </a:effectRef>
+          <a:fontRef idx="minor">
+            <a:schemeClr val="dk1"/>
+          </a:fontRef>
+        </p:style>
+        <p:txBody>
+          <a:bodyPr rtlCol="0" anchor="ctr"/>
+          <a:lstStyle/>
+          <a:p>
+            <a:pPr algn="ctr"/>
+            <a:endParaRPr lang="en-SG" sz="1400"/>
+          </a:p>
+        </p:txBody>
+      </p:sp>
+      <p:cxnSp>
+        <p:nvCxnSpPr>
+          <p:cNvPr id="56" name="Straight Arrow Connector 55">
+            <a:extLst>
+              <a:ext uri="{FF2B5EF4-FFF2-40B4-BE49-F238E27FC236}">
+                <a16:creationId xmlns:a16="http://schemas.microsoft.com/office/drawing/2014/main" id="{20F06DF4-0AE3-49DD-93E9-BF2FE8F1D2B4}"/>
+              </a:ext>
+            </a:extLst>
+          </p:cNvPr>
+          <p:cNvCxnSpPr>
+            <a:cxnSpLocks/>
+          </p:cNvCxnSpPr>
+          <p:nvPr/>
+        </p:nvCxnSpPr>
+        <p:spPr>
+          <a:xfrm>
+            <a:off x="4663151" y="2867578"/>
+            <a:ext cx="1089949" cy="0"/>
+          </a:xfrm>
+          <a:prstGeom prst="straightConnector1">
+            <a:avLst/>
+          </a:prstGeom>
+          <a:ln w="19050">
+            <a:solidFill>
+              <a:srgbClr val="0070C0"/>
+            </a:solidFill>
+            <a:tailEnd type="arrow"/>
+          </a:ln>
+        </p:spPr>
+        <p:style>
+          <a:lnRef idx="1">
+            <a:schemeClr val="accent1"/>
+          </a:lnRef>
+          <a:fillRef idx="0">
+            <a:schemeClr val="accent1"/>
+          </a:fillRef>
+          <a:effectRef idx="0">
+            <a:schemeClr val="accent1"/>
+          </a:effectRef>
+          <a:fontRef idx="minor">
+            <a:schemeClr val="tx1"/>
+          </a:fontRef>
+        </p:style>
+      </p:cxnSp>
+      <p:cxnSp>
+        <p:nvCxnSpPr>
+          <p:cNvPr id="57" name="Straight Arrow Connector 56">
+            <a:extLst>
+              <a:ext uri="{FF2B5EF4-FFF2-40B4-BE49-F238E27FC236}">
+                <a16:creationId xmlns:a16="http://schemas.microsoft.com/office/drawing/2014/main" id="{8A9A131D-FF51-4F95-A255-9ED16D900F0F}"/>
+              </a:ext>
+            </a:extLst>
+          </p:cNvPr>
+          <p:cNvCxnSpPr>
+            <a:cxnSpLocks/>
+          </p:cNvCxnSpPr>
+          <p:nvPr/>
+        </p:nvCxnSpPr>
+        <p:spPr>
+          <a:xfrm>
+            <a:off x="4663151" y="3096178"/>
+            <a:ext cx="1596514" cy="0"/>
+          </a:xfrm>
+          <a:prstGeom prst="straightConnector1">
+            <a:avLst/>
+          </a:prstGeom>
+          <a:ln w="19050">
+            <a:solidFill>
+              <a:srgbClr val="0070C0"/>
+            </a:solidFill>
+            <a:prstDash val="sysDash"/>
+            <a:headEnd type="arrow" w="med" len="med"/>
+            <a:tailEnd type="none" w="med" len="med"/>
+          </a:ln>
+        </p:spPr>
+        <p:style>
+          <a:lnRef idx="1">
+            <a:schemeClr val="accent1"/>
+          </a:lnRef>
+          <a:fillRef idx="0">
+            <a:schemeClr val="accent1"/>
+          </a:fillRef>
+          <a:effectRef idx="0">
+            <a:schemeClr val="accent1"/>
+          </a:effectRef>
+          <a:fontRef idx="minor">
+            <a:schemeClr val="tx1"/>
+          </a:fontRef>
+        </p:style>
+      </p:cxnSp>
+      <p:cxnSp>
+        <p:nvCxnSpPr>
+          <p:cNvPr id="60" name="Straight Arrow Connector 59">
+            <a:extLst>
+              <a:ext uri="{FF2B5EF4-FFF2-40B4-BE49-F238E27FC236}">
+                <a16:creationId xmlns:a16="http://schemas.microsoft.com/office/drawing/2014/main" id="{12867BE4-0393-48D8-9CBE-ECDE3DE05C88}"/>
+              </a:ext>
+            </a:extLst>
+          </p:cNvPr>
+          <p:cNvCxnSpPr>
+            <a:cxnSpLocks/>
+          </p:cNvCxnSpPr>
+          <p:nvPr/>
+        </p:nvCxnSpPr>
+        <p:spPr>
+          <a:xfrm flipV="1">
+            <a:off x="2082189" y="2771169"/>
+            <a:ext cx="2402662" cy="13157"/>
+          </a:xfrm>
+          <a:prstGeom prst="straightConnector1">
+            <a:avLst/>
+          </a:prstGeom>
+          <a:ln w="19050">
+            <a:solidFill>
+              <a:srgbClr val="0070C0"/>
+            </a:solidFill>
+            <a:tailEnd type="arrow"/>
+          </a:ln>
+        </p:spPr>
+        <p:style>
+          <a:lnRef idx="1">
+            <a:schemeClr val="accent1"/>
+          </a:lnRef>
+          <a:fillRef idx="0">
+            <a:schemeClr val="accent1"/>
+          </a:fillRef>
+          <a:effectRef idx="0">
+            <a:schemeClr val="accent1"/>
+          </a:effectRef>
+          <a:fontRef idx="minor">
+            <a:schemeClr val="tx1"/>
+          </a:fontRef>
+        </p:style>
+      </p:cxnSp>
+      <p:sp>
+        <p:nvSpPr>
+          <p:cNvPr id="61" name="TextBox 60">
+            <a:extLst>
+              <a:ext uri="{FF2B5EF4-FFF2-40B4-BE49-F238E27FC236}">
+                <a16:creationId xmlns:a16="http://schemas.microsoft.com/office/drawing/2014/main" id="{822F4C1E-DA2E-4252-BE41-9CD0E98A96D4}"/>
+              </a:ext>
+            </a:extLst>
+          </p:cNvPr>
+          <p:cNvSpPr txBox="1"/>
+          <p:nvPr/>
+        </p:nvSpPr>
+        <p:spPr>
+          <a:xfrm>
+            <a:off x="2242165" y="2555725"/>
+            <a:ext cx="1910735" cy="215444"/>
+          </a:xfrm>
+          <a:prstGeom prst="rect">
+            <a:avLst/>
+          </a:prstGeom>
+          <a:noFill/>
+        </p:spPr>
+        <p:txBody>
+          <a:bodyPr wrap="square" lIns="0" tIns="0" rIns="0" bIns="0" rtlCol="0">
+            <a:spAutoFit/>
+          </a:bodyPr>
+          <a:lstStyle>
+            <a:defPPr>
+              <a:defRPr lang="en-US"/>
+            </a:defPPr>
+            <a:lvl1pPr algn="r">
+              <a:defRPr sz="1400">
+                <a:solidFill>
+                  <a:srgbClr val="0070C0"/>
+                </a:solidFill>
+              </a:defRPr>
+            </a:lvl1pPr>
+          </a:lstStyle>
+          <a:p>
+            <a:r>
+              <a:rPr lang="en-US" dirty="0"/>
+              <a:t>parse(“contacts delete 1”)</a:t>
+            </a:r>
+          </a:p>
+        </p:txBody>
+      </p:sp>
+      <p:cxnSp>
+        <p:nvCxnSpPr>
+          <p:cNvPr id="68" name="Straight Arrow Connector 67">
+            <a:extLst>
+              <a:ext uri="{FF2B5EF4-FFF2-40B4-BE49-F238E27FC236}">
+                <a16:creationId xmlns:a16="http://schemas.microsoft.com/office/drawing/2014/main" id="{A1803A98-3DA0-4FBD-A3A6-EBA7335565DA}"/>
+              </a:ext>
+            </a:extLst>
+          </p:cNvPr>
+          <p:cNvCxnSpPr>
+            <a:cxnSpLocks/>
+          </p:cNvCxnSpPr>
+          <p:nvPr/>
+        </p:nvCxnSpPr>
+        <p:spPr>
+          <a:xfrm flipV="1">
+            <a:off x="2094881" y="4627232"/>
+            <a:ext cx="2371531" cy="8822"/>
+          </a:xfrm>
+          <a:prstGeom prst="straightConnector1">
+            <a:avLst/>
+          </a:prstGeom>
+          <a:ln w="19050">
+            <a:solidFill>
+              <a:srgbClr val="0070C0"/>
+            </a:solidFill>
+            <a:prstDash val="sysDash"/>
+            <a:headEnd type="arrow" w="med" len="med"/>
+            <a:tailEnd type="none" w="med" len="med"/>
+          </a:ln>
+        </p:spPr>
+        <p:style>
+          <a:lnRef idx="1">
+            <a:schemeClr val="accent1"/>
+          </a:lnRef>
+          <a:fillRef idx="0">
+            <a:schemeClr val="accent1"/>
+          </a:fillRef>
+          <a:effectRef idx="0">
+            <a:schemeClr val="accent1"/>
+          </a:effectRef>
+          <a:fontRef idx="minor">
+            <a:schemeClr val="tx1"/>
+          </a:fontRef>
+        </p:style>
+      </p:cxnSp>
+      <p:sp>
+        <p:nvSpPr>
+          <p:cNvPr id="69" name="TextBox 68">
+            <a:extLst>
+              <a:ext uri="{FF2B5EF4-FFF2-40B4-BE49-F238E27FC236}">
+                <a16:creationId xmlns:a16="http://schemas.microsoft.com/office/drawing/2014/main" id="{10C61ABA-AB0E-4EEB-B8FD-925F629467E9}"/>
+              </a:ext>
+            </a:extLst>
+          </p:cNvPr>
+          <p:cNvSpPr txBox="1"/>
+          <p:nvPr/>
+        </p:nvSpPr>
+        <p:spPr>
+          <a:xfrm>
+            <a:off x="3102549" y="4368646"/>
+            <a:ext cx="220343" cy="215444"/>
+          </a:xfrm>
+          <a:prstGeom prst="rect">
+            <a:avLst/>
+          </a:prstGeom>
+          <a:noFill/>
+        </p:spPr>
+        <p:txBody>
+          <a:bodyPr wrap="square" lIns="0" tIns="0" rIns="0" bIns="0" rtlCol="0">
+            <a:spAutoFit/>
+          </a:bodyPr>
+          <a:lstStyle>
+            <a:defPPr>
+              <a:defRPr lang="en-US"/>
+            </a:defPPr>
+            <a:lvl1pPr algn="r">
+              <a:defRPr sz="1400">
+                <a:solidFill>
+                  <a:srgbClr val="0070C0"/>
+                </a:solidFill>
+              </a:defRPr>
+            </a:lvl1pPr>
+          </a:lstStyle>
+          <a:p>
+            <a:r>
+              <a:rPr lang="en-US" dirty="0"/>
+              <a:t>d</a:t>
+            </a:r>
+          </a:p>
+        </p:txBody>
+      </p:sp>
+      <p:sp>
+        <p:nvSpPr>
+          <p:cNvPr id="85" name="TextBox 84">
+            <a:extLst>
+              <a:ext uri="{FF2B5EF4-FFF2-40B4-BE49-F238E27FC236}">
+                <a16:creationId xmlns:a16="http://schemas.microsoft.com/office/drawing/2014/main" id="{25DD8279-E8C4-47C5-BBC3-CA8A7B44FBBE}"/>
+              </a:ext>
+            </a:extLst>
+          </p:cNvPr>
+          <p:cNvSpPr txBox="1"/>
+          <p:nvPr/>
+        </p:nvSpPr>
+        <p:spPr>
+          <a:xfrm>
+            <a:off x="7117926" y="4230072"/>
+            <a:ext cx="220343" cy="215444"/>
+          </a:xfrm>
+          <a:prstGeom prst="rect">
+            <a:avLst/>
+          </a:prstGeom>
+          <a:noFill/>
+        </p:spPr>
+        <p:txBody>
+          <a:bodyPr wrap="square" lIns="0" tIns="0" rIns="0" bIns="0" rtlCol="0">
+            <a:spAutoFit/>
+          </a:bodyPr>
+          <a:lstStyle>
+            <a:defPPr>
+              <a:defRPr lang="en-US"/>
+            </a:defPPr>
+            <a:lvl1pPr algn="r">
+              <a:defRPr sz="1400">
+                <a:solidFill>
+                  <a:srgbClr val="0070C0"/>
+                </a:solidFill>
+              </a:defRPr>
+            </a:lvl1pPr>
+          </a:lstStyle>
+          <a:p>
+            <a:r>
+              <a:rPr lang="en-US" dirty="0"/>
+              <a:t>d</a:t>
             </a:r>
           </a:p>
         </p:txBody>

--- a/docs/diagrams/LogicComponentSequenceDiagram.pptx
+++ b/docs/diagrams/LogicComponentSequenceDiagram.pptx
@@ -208,7 +208,7 @@
           <a:p>
             <a:fld id="{F5CC4B3F-88C1-4FFA-B1B6-F41C21DC6924}" type="datetimeFigureOut">
               <a:rPr lang="en-US" smtClean="0"/>
-              <a:t>10/17/2018</a:t>
+              <a:t>11/11/2018</a:t>
             </a:fld>
             <a:endParaRPr lang="en-US"/>
           </a:p>
@@ -654,7 +654,7 @@
           <a:p>
             <a:fld id="{78C97017-6FC3-485B-9764-EAC9E56C1D49}" type="datetimeFigureOut">
               <a:rPr lang="en-US" smtClean="0"/>
-              <a:t>10/17/2018</a:t>
+              <a:t>11/11/2018</a:t>
             </a:fld>
             <a:endParaRPr lang="en-US"/>
           </a:p>
@@ -822,7 +822,7 @@
           <a:p>
             <a:fld id="{78C97017-6FC3-485B-9764-EAC9E56C1D49}" type="datetimeFigureOut">
               <a:rPr lang="en-US" smtClean="0"/>
-              <a:t>10/17/2018</a:t>
+              <a:t>11/11/2018</a:t>
             </a:fld>
             <a:endParaRPr lang="en-US"/>
           </a:p>
@@ -1000,7 +1000,7 @@
           <a:p>
             <a:fld id="{78C97017-6FC3-485B-9764-EAC9E56C1D49}" type="datetimeFigureOut">
               <a:rPr lang="en-US" smtClean="0"/>
-              <a:t>10/17/2018</a:t>
+              <a:t>11/11/2018</a:t>
             </a:fld>
             <a:endParaRPr lang="en-US"/>
           </a:p>
@@ -1168,7 +1168,7 @@
           <a:p>
             <a:fld id="{78C97017-6FC3-485B-9764-EAC9E56C1D49}" type="datetimeFigureOut">
               <a:rPr lang="en-US" smtClean="0"/>
-              <a:t>10/17/2018</a:t>
+              <a:t>11/11/2018</a:t>
             </a:fld>
             <a:endParaRPr lang="en-US"/>
           </a:p>
@@ -1413,7 +1413,7 @@
           <a:p>
             <a:fld id="{78C97017-6FC3-485B-9764-EAC9E56C1D49}" type="datetimeFigureOut">
               <a:rPr lang="en-US" smtClean="0"/>
-              <a:t>10/17/2018</a:t>
+              <a:t>11/11/2018</a:t>
             </a:fld>
             <a:endParaRPr lang="en-US"/>
           </a:p>
@@ -1698,7 +1698,7 @@
           <a:p>
             <a:fld id="{78C97017-6FC3-485B-9764-EAC9E56C1D49}" type="datetimeFigureOut">
               <a:rPr lang="en-US" smtClean="0"/>
-              <a:t>10/17/2018</a:t>
+              <a:t>11/11/2018</a:t>
             </a:fld>
             <a:endParaRPr lang="en-US"/>
           </a:p>
@@ -2117,7 +2117,7 @@
           <a:p>
             <a:fld id="{78C97017-6FC3-485B-9764-EAC9E56C1D49}" type="datetimeFigureOut">
               <a:rPr lang="en-US" smtClean="0"/>
-              <a:t>10/17/2018</a:t>
+              <a:t>11/11/2018</a:t>
             </a:fld>
             <a:endParaRPr lang="en-US"/>
           </a:p>
@@ -2234,7 +2234,7 @@
           <a:p>
             <a:fld id="{78C97017-6FC3-485B-9764-EAC9E56C1D49}" type="datetimeFigureOut">
               <a:rPr lang="en-US" smtClean="0"/>
-              <a:t>10/17/2018</a:t>
+              <a:t>11/11/2018</a:t>
             </a:fld>
             <a:endParaRPr lang="en-US"/>
           </a:p>
@@ -2329,7 +2329,7 @@
           <a:p>
             <a:fld id="{78C97017-6FC3-485B-9764-EAC9E56C1D49}" type="datetimeFigureOut">
               <a:rPr lang="en-US" smtClean="0"/>
-              <a:t>10/17/2018</a:t>
+              <a:t>11/11/2018</a:t>
             </a:fld>
             <a:endParaRPr lang="en-US"/>
           </a:p>
@@ -2604,7 +2604,7 @@
           <a:p>
             <a:fld id="{78C97017-6FC3-485B-9764-EAC9E56C1D49}" type="datetimeFigureOut">
               <a:rPr lang="en-US" smtClean="0"/>
-              <a:t>10/17/2018</a:t>
+              <a:t>11/11/2018</a:t>
             </a:fld>
             <a:endParaRPr lang="en-US"/>
           </a:p>
@@ -2856,7 +2856,7 @@
           <a:p>
             <a:fld id="{78C97017-6FC3-485B-9764-EAC9E56C1D49}" type="datetimeFigureOut">
               <a:rPr lang="en-US" smtClean="0"/>
-              <a:t>10/17/2018</a:t>
+              <a:t>11/11/2018</a:t>
             </a:fld>
             <a:endParaRPr lang="en-US"/>
           </a:p>
@@ -3067,7 +3067,7 @@
           <a:p>
             <a:fld id="{78C97017-6FC3-485B-9764-EAC9E56C1D49}" type="datetimeFigureOut">
               <a:rPr lang="en-US" smtClean="0"/>
-              <a:t>10/17/2018</a:t>
+              <a:t>11/11/2018</a:t>
             </a:fld>
             <a:endParaRPr lang="en-US"/>
           </a:p>
@@ -3582,7 +3582,7 @@
         <p:spPr>
           <a:xfrm>
             <a:off x="1991959" y="2479561"/>
-            <a:ext cx="0" cy="3055018"/>
+            <a:ext cx="0" cy="3730524"/>
           </a:xfrm>
           <a:prstGeom prst="line">
             <a:avLst/>
@@ -3878,14 +3878,15 @@
         <p:nvCxnSpPr>
           <p:cNvPr id="20" name="Straight Connector 19"/>
           <p:cNvCxnSpPr>
+            <a:cxnSpLocks/>
             <a:stCxn id="21" idx="0"/>
           </p:cNvCxnSpPr>
           <p:nvPr/>
         </p:nvCxnSpPr>
         <p:spPr>
-          <a:xfrm>
-            <a:off x="9782474" y="4051056"/>
-            <a:ext cx="0" cy="1940722"/>
+          <a:xfrm flipH="1">
+            <a:off x="9760674" y="4051057"/>
+            <a:ext cx="21800" cy="1871931"/>
           </a:xfrm>
           <a:prstGeom prst="line">
             <a:avLst/>
@@ -3968,7 +3969,7 @@
         </p:nvCxnSpPr>
         <p:spPr>
           <a:xfrm>
-            <a:off x="800101" y="3291377"/>
+            <a:off x="814051" y="2631462"/>
             <a:ext cx="1119851" cy="0"/>
           </a:xfrm>
           <a:prstGeom prst="straightConnector1">
@@ -4042,7 +4043,7 @@
         </p:nvSpPr>
         <p:spPr>
           <a:xfrm>
-            <a:off x="-342900" y="3019978"/>
+            <a:off x="-318313" y="2747437"/>
             <a:ext cx="2186846" cy="215444"/>
           </a:xfrm>
           <a:prstGeom prst="rect">
@@ -4071,13 +4072,15 @@
       <p:cxnSp>
         <p:nvCxnSpPr>
           <p:cNvPr id="28" name="Straight Arrow Connector 27"/>
-          <p:cNvCxnSpPr/>
+          <p:cNvCxnSpPr>
+            <a:cxnSpLocks/>
+          </p:cNvCxnSpPr>
           <p:nvPr/>
         </p:nvCxnSpPr>
         <p:spPr>
-          <a:xfrm flipV="1">
-            <a:off x="8267118" y="3979993"/>
-            <a:ext cx="922392" cy="1"/>
+          <a:xfrm>
+            <a:off x="8267118" y="3979995"/>
+            <a:ext cx="957795" cy="2860"/>
           </a:xfrm>
           <a:prstGeom prst="straightConnector1">
             <a:avLst/>
@@ -4268,7 +4271,7 @@
         </p:nvSpPr>
         <p:spPr>
           <a:xfrm>
-            <a:off x="11275796" y="2638978"/>
+            <a:off x="11237696" y="2701240"/>
             <a:ext cx="1030504" cy="346760"/>
           </a:xfrm>
           <a:prstGeom prst="rect">
@@ -4413,13 +4416,15 @@
       <p:cxnSp>
         <p:nvCxnSpPr>
           <p:cNvPr id="71" name="Straight Connector 70"/>
-          <p:cNvCxnSpPr/>
+          <p:cNvCxnSpPr>
+            <a:cxnSpLocks/>
+          </p:cNvCxnSpPr>
           <p:nvPr/>
         </p:nvCxnSpPr>
         <p:spPr>
           <a:xfrm>
-            <a:off x="11791048" y="2977636"/>
-            <a:ext cx="0" cy="2830598"/>
+            <a:off x="11772900" y="3010836"/>
+            <a:ext cx="0" cy="3199249"/>
           </a:xfrm>
           <a:prstGeom prst="line">
             <a:avLst/>
@@ -5546,7 +5551,7 @@
         <p:spPr>
           <a:xfrm>
             <a:off x="4556859" y="2479561"/>
-            <a:ext cx="22347" cy="2292534"/>
+            <a:ext cx="0" cy="2258417"/>
           </a:xfrm>
           <a:prstGeom prst="line">
             <a:avLst/>
@@ -5786,7 +5791,7 @@
         </p:nvCxnSpPr>
         <p:spPr>
           <a:xfrm flipV="1">
-            <a:off x="2082189" y="2771169"/>
+            <a:off x="2061869" y="2781329"/>
             <a:ext cx="2402662" cy="13157"/>
           </a:xfrm>
           <a:prstGeom prst="straightConnector1">
@@ -5998,6 +6003,129 @@
           </a:p>
         </p:txBody>
       </p:sp>
+      <p:sp>
+        <p:nvSpPr>
+          <p:cNvPr id="62" name="TextBox 61">
+            <a:extLst>
+              <a:ext uri="{FF2B5EF4-FFF2-40B4-BE49-F238E27FC236}">
+                <a16:creationId xmlns:a16="http://schemas.microsoft.com/office/drawing/2014/main" id="{2DA2FCF1-1E55-4031-BFAA-938355EC469F}"/>
+              </a:ext>
+            </a:extLst>
+          </p:cNvPr>
+          <p:cNvSpPr txBox="1"/>
+          <p:nvPr/>
+        </p:nvSpPr>
+        <p:spPr>
+          <a:xfrm>
+            <a:off x="6239794" y="4501282"/>
+            <a:ext cx="258404" cy="261610"/>
+          </a:xfrm>
+          <a:prstGeom prst="rect">
+            <a:avLst/>
+          </a:prstGeom>
+          <a:noFill/>
+        </p:spPr>
+        <p:txBody>
+          <a:bodyPr wrap="none" rtlCol="0">
+            <a:spAutoFit/>
+          </a:bodyPr>
+          <a:lstStyle/>
+          <a:p>
+            <a:r>
+              <a:rPr lang="en-SG" sz="1100" dirty="0">
+                <a:solidFill>
+                  <a:srgbClr val="002060"/>
+                </a:solidFill>
+              </a:rPr>
+              <a:t>X</a:t>
+            </a:r>
+          </a:p>
+        </p:txBody>
+      </p:sp>
+      <p:sp>
+        <p:nvSpPr>
+          <p:cNvPr id="66" name="TextBox 65">
+            <a:extLst>
+              <a:ext uri="{FF2B5EF4-FFF2-40B4-BE49-F238E27FC236}">
+                <a16:creationId xmlns:a16="http://schemas.microsoft.com/office/drawing/2014/main" id="{B682522B-DE38-4228-A026-5200B163E58D}"/>
+              </a:ext>
+            </a:extLst>
+          </p:cNvPr>
+          <p:cNvSpPr txBox="1"/>
+          <p:nvPr/>
+        </p:nvSpPr>
+        <p:spPr>
+          <a:xfrm>
+            <a:off x="9642372" y="5810745"/>
+            <a:ext cx="258404" cy="261610"/>
+          </a:xfrm>
+          <a:prstGeom prst="rect">
+            <a:avLst/>
+          </a:prstGeom>
+          <a:noFill/>
+        </p:spPr>
+        <p:txBody>
+          <a:bodyPr wrap="none" rtlCol="0">
+            <a:spAutoFit/>
+          </a:bodyPr>
+          <a:lstStyle/>
+          <a:p>
+            <a:r>
+              <a:rPr lang="en-SG" sz="1100" dirty="0">
+                <a:solidFill>
+                  <a:srgbClr val="002060"/>
+                </a:solidFill>
+              </a:rPr>
+              <a:t>X</a:t>
+            </a:r>
+          </a:p>
+        </p:txBody>
+      </p:sp>
+      <p:cxnSp>
+        <p:nvCxnSpPr>
+          <p:cNvPr id="67" name="Straight Connector 66">
+            <a:extLst>
+              <a:ext uri="{FF2B5EF4-FFF2-40B4-BE49-F238E27FC236}">
+                <a16:creationId xmlns:a16="http://schemas.microsoft.com/office/drawing/2014/main" id="{596F83B2-97DB-4103-9E1C-6FD4A07087DC}"/>
+              </a:ext>
+            </a:extLst>
+          </p:cNvPr>
+          <p:cNvCxnSpPr>
+            <a:cxnSpLocks/>
+          </p:cNvCxnSpPr>
+          <p:nvPr/>
+        </p:nvCxnSpPr>
+        <p:spPr>
+          <a:xfrm>
+            <a:off x="10862961" y="5551695"/>
+            <a:ext cx="13212" cy="658390"/>
+          </a:xfrm>
+          <a:prstGeom prst="line">
+            <a:avLst/>
+          </a:prstGeom>
+          <a:ln w="19050">
+            <a:solidFill>
+              <a:srgbClr val="0070C0"/>
+            </a:solidFill>
+            <a:prstDash val="sysDash"/>
+          </a:ln>
+          <a:effectLst/>
+        </p:spPr>
+        <p:style>
+          <a:lnRef idx="1">
+            <a:schemeClr val="accent1"/>
+          </a:lnRef>
+          <a:fillRef idx="2">
+            <a:schemeClr val="accent1"/>
+          </a:fillRef>
+          <a:effectRef idx="1">
+            <a:schemeClr val="accent1"/>
+          </a:effectRef>
+          <a:fontRef idx="minor">
+            <a:schemeClr val="dk1"/>
+          </a:fontRef>
+        </p:style>
+      </p:cxnSp>
     </p:spTree>
     <p:extLst>
       <p:ext uri="{BB962C8B-B14F-4D97-AF65-F5344CB8AC3E}">
